--- a/Documents/PERMACKATHON.pptx
+++ b/Documents/PERMACKATHON.pptx
@@ -6,10 +6,11 @@
   </p:sldMasterIdLst>
   <p:sldIdLst>
     <p:sldId id="256" r:id="rId2"/>
-    <p:sldId id="258" r:id="rId3"/>
-    <p:sldId id="259" r:id="rId4"/>
-    <p:sldId id="260" r:id="rId5"/>
-    <p:sldId id="261" r:id="rId6"/>
+    <p:sldId id="262" r:id="rId3"/>
+    <p:sldId id="258" r:id="rId4"/>
+    <p:sldId id="259" r:id="rId5"/>
+    <p:sldId id="260" r:id="rId6"/>
+    <p:sldId id="261" r:id="rId7"/>
   </p:sldIdLst>
   <p:sldSz cx="12192000" cy="6858000"/>
   <p:notesSz cx="6858000" cy="9144000"/>
@@ -108,6 +109,11 @@
       </a:defRPr>
     </a:lvl9pPr>
   </p:defaultTextStyle>
+  <p:extLst>
+    <p:ext uri="{EFAFB233-063F-42B5-8137-9DF3F51BA10A}">
+      <p15:sldGuideLst xmlns:p15="http://schemas.microsoft.com/office/powerpoint/2012/main"/>
+    </p:ext>
+  </p:extLst>
 </p:presentation>
 </file>
 
@@ -5868,6 +5874,66 @@
           <a:chExt cx="0" cy="0"/>
         </a:xfrm>
       </p:grpSpPr>
+      <p:pic>
+        <p:nvPicPr>
+          <p:cNvPr id="2" name="Image 1"/>
+          <p:cNvPicPr>
+            <a:picLocks noChangeAspect="1"/>
+          </p:cNvPicPr>
+          <p:nvPr/>
+        </p:nvPicPr>
+        <p:blipFill>
+          <a:blip r:embed="rId2">
+            <a:extLst>
+              <a:ext uri="{28A0092B-C50C-407E-A947-70E740481C1C}">
+                <a14:useLocalDpi xmlns:a14="http://schemas.microsoft.com/office/drawing/2010/main" val="0"/>
+              </a:ext>
+            </a:extLst>
+          </a:blip>
+          <a:stretch>
+            <a:fillRect/>
+          </a:stretch>
+        </p:blipFill>
+        <p:spPr>
+          <a:xfrm>
+            <a:off x="800381" y="274321"/>
+            <a:ext cx="10058400" cy="6363152"/>
+          </a:xfrm>
+          <a:prstGeom prst="rect">
+            <a:avLst/>
+          </a:prstGeom>
+        </p:spPr>
+      </p:pic>
+    </p:spTree>
+    <p:extLst>
+      <p:ext uri="{BB962C8B-B14F-4D97-AF65-F5344CB8AC3E}">
+        <p14:creationId xmlns:p14="http://schemas.microsoft.com/office/powerpoint/2010/main" val="2012817076"/>
+      </p:ext>
+    </p:extLst>
+  </p:cSld>
+  <p:clrMapOvr>
+    <a:masterClrMapping/>
+  </p:clrMapOvr>
+</p:sld>
+</file>
+
+<file path=ppt/slides/slide3.xml><?xml version="1.0" encoding="utf-8"?>
+<p:sld xmlns:a="http://schemas.openxmlformats.org/drawingml/2006/main" xmlns:r="http://schemas.openxmlformats.org/officeDocument/2006/relationships" xmlns:p="http://schemas.openxmlformats.org/presentationml/2006/main">
+  <p:cSld>
+    <p:spTree>
+      <p:nvGrpSpPr>
+        <p:cNvPr id="1" name=""/>
+        <p:cNvGrpSpPr/>
+        <p:nvPr/>
+      </p:nvGrpSpPr>
+      <p:grpSpPr>
+        <a:xfrm>
+          <a:off x="0" y="0"/>
+          <a:ext cx="0" cy="0"/>
+          <a:chOff x="0" y="0"/>
+          <a:chExt cx="0" cy="0"/>
+        </a:xfrm>
+      </p:grpSpPr>
       <p:sp>
         <p:nvSpPr>
           <p:cNvPr id="3" name="ZoneTexte 2"/>
@@ -5964,7 +6030,7 @@
 </p:sld>
 </file>
 
-<file path=ppt/slides/slide3.xml><?xml version="1.0" encoding="utf-8"?>
+<file path=ppt/slides/slide4.xml><?xml version="1.0" encoding="utf-8"?>
 <p:sld xmlns:a="http://schemas.openxmlformats.org/drawingml/2006/main" xmlns:r="http://schemas.openxmlformats.org/officeDocument/2006/relationships" xmlns:p="http://schemas.openxmlformats.org/presentationml/2006/main">
   <p:cSld>
     <p:spTree>
@@ -6024,7 +6090,7 @@
 </p:sld>
 </file>
 
-<file path=ppt/slides/slide4.xml><?xml version="1.0" encoding="utf-8"?>
+<file path=ppt/slides/slide5.xml><?xml version="1.0" encoding="utf-8"?>
 <p:sld xmlns:a="http://schemas.openxmlformats.org/drawingml/2006/main" xmlns:r="http://schemas.openxmlformats.org/officeDocument/2006/relationships" xmlns:p="http://schemas.openxmlformats.org/presentationml/2006/main">
   <p:cSld>
     <p:spTree>
@@ -6114,7 +6180,7 @@
 </p:sld>
 </file>
 
-<file path=ppt/slides/slide5.xml><?xml version="1.0" encoding="utf-8"?>
+<file path=ppt/slides/slide6.xml><?xml version="1.0" encoding="utf-8"?>
 <p:sld xmlns:a="http://schemas.openxmlformats.org/drawingml/2006/main" xmlns:r="http://schemas.openxmlformats.org/officeDocument/2006/relationships" xmlns:p="http://schemas.openxmlformats.org/presentationml/2006/main">
   <p:cSld>
     <p:spTree>

--- a/Documents/PERMACKATHON.pptx
+++ b/Documents/PERMACKATHON.pptx
@@ -5844,6 +5844,126 @@
           </a:p>
         </p:txBody>
       </p:sp>
+      <p:pic>
+        <p:nvPicPr>
+          <p:cNvPr id="4" name="Image 3"/>
+          <p:cNvPicPr>
+            <a:picLocks noChangeAspect="1"/>
+          </p:cNvPicPr>
+          <p:nvPr/>
+        </p:nvPicPr>
+        <p:blipFill>
+          <a:blip r:embed="rId2">
+            <a:extLst>
+              <a:ext uri="{28A0092B-C50C-407E-A947-70E740481C1C}">
+                <a14:useLocalDpi xmlns:a14="http://schemas.microsoft.com/office/drawing/2010/main" val="0"/>
+              </a:ext>
+            </a:extLst>
+          </a:blip>
+          <a:stretch>
+            <a:fillRect/>
+          </a:stretch>
+        </p:blipFill>
+        <p:spPr>
+          <a:xfrm>
+            <a:off x="396846" y="5147732"/>
+            <a:ext cx="1298951" cy="1380273"/>
+          </a:xfrm>
+          <a:prstGeom prst="rect">
+            <a:avLst/>
+          </a:prstGeom>
+        </p:spPr>
+      </p:pic>
+      <p:pic>
+        <p:nvPicPr>
+          <p:cNvPr id="5" name="Image 4"/>
+          <p:cNvPicPr>
+            <a:picLocks noChangeAspect="1"/>
+          </p:cNvPicPr>
+          <p:nvPr/>
+        </p:nvPicPr>
+        <p:blipFill>
+          <a:blip r:embed="rId3">
+            <a:extLst>
+              <a:ext uri="{28A0092B-C50C-407E-A947-70E740481C1C}">
+                <a14:useLocalDpi xmlns:a14="http://schemas.microsoft.com/office/drawing/2010/main" val="0"/>
+              </a:ext>
+            </a:extLst>
+          </a:blip>
+          <a:stretch>
+            <a:fillRect/>
+          </a:stretch>
+        </p:blipFill>
+        <p:spPr>
+          <a:xfrm>
+            <a:off x="1991489" y="5377588"/>
+            <a:ext cx="3772786" cy="920559"/>
+          </a:xfrm>
+          <a:prstGeom prst="rect">
+            <a:avLst/>
+          </a:prstGeom>
+        </p:spPr>
+      </p:pic>
+      <p:pic>
+        <p:nvPicPr>
+          <p:cNvPr id="6" name="Image 5"/>
+          <p:cNvPicPr>
+            <a:picLocks noChangeAspect="1"/>
+          </p:cNvPicPr>
+          <p:nvPr/>
+        </p:nvPicPr>
+        <p:blipFill>
+          <a:blip r:embed="rId4">
+            <a:extLst>
+              <a:ext uri="{28A0092B-C50C-407E-A947-70E740481C1C}">
+                <a14:useLocalDpi xmlns:a14="http://schemas.microsoft.com/office/drawing/2010/main" val="0"/>
+              </a:ext>
+            </a:extLst>
+          </a:blip>
+          <a:stretch>
+            <a:fillRect/>
+          </a:stretch>
+        </p:blipFill>
+        <p:spPr>
+          <a:xfrm>
+            <a:off x="7895599" y="5193786"/>
+            <a:ext cx="1279402" cy="1288165"/>
+          </a:xfrm>
+          <a:prstGeom prst="rect">
+            <a:avLst/>
+          </a:prstGeom>
+        </p:spPr>
+      </p:pic>
+      <p:pic>
+        <p:nvPicPr>
+          <p:cNvPr id="7" name="Image 6"/>
+          <p:cNvPicPr>
+            <a:picLocks noChangeAspect="1"/>
+          </p:cNvPicPr>
+          <p:nvPr/>
+        </p:nvPicPr>
+        <p:blipFill>
+          <a:blip r:embed="rId5">
+            <a:extLst>
+              <a:ext uri="{28A0092B-C50C-407E-A947-70E740481C1C}">
+                <a14:useLocalDpi xmlns:a14="http://schemas.microsoft.com/office/drawing/2010/main" val="0"/>
+              </a:ext>
+            </a:extLst>
+          </a:blip>
+          <a:stretch>
+            <a:fillRect/>
+          </a:stretch>
+        </p:blipFill>
+        <p:spPr>
+          <a:xfrm>
+            <a:off x="6059967" y="5247557"/>
+            <a:ext cx="1539940" cy="1180620"/>
+          </a:xfrm>
+          <a:prstGeom prst="rect">
+            <a:avLst/>
+          </a:prstGeom>
+        </p:spPr>
+      </p:pic>
     </p:spTree>
     <p:extLst>
       <p:ext uri="{BB962C8B-B14F-4D97-AF65-F5344CB8AC3E}">
@@ -6069,7 +6189,7 @@
         </p:blipFill>
         <p:spPr>
           <a:xfrm>
-            <a:off x="315883" y="407896"/>
+            <a:off x="640080" y="906660"/>
             <a:ext cx="10058400" cy="2529657"/>
           </a:xfrm>
           <a:prstGeom prst="rect">

--- a/Documents/PERMACKATHON.pptx
+++ b/Documents/PERMACKATHON.pptx
@@ -6,11 +6,12 @@
   </p:sldMasterIdLst>
   <p:sldIdLst>
     <p:sldId id="256" r:id="rId2"/>
-    <p:sldId id="262" r:id="rId3"/>
-    <p:sldId id="258" r:id="rId4"/>
-    <p:sldId id="259" r:id="rId5"/>
-    <p:sldId id="260" r:id="rId6"/>
-    <p:sldId id="261" r:id="rId7"/>
+    <p:sldId id="263" r:id="rId3"/>
+    <p:sldId id="264" r:id="rId4"/>
+    <p:sldId id="262" r:id="rId5"/>
+    <p:sldId id="258" r:id="rId6"/>
+    <p:sldId id="260" r:id="rId7"/>
+    <p:sldId id="261" r:id="rId8"/>
   </p:sldIdLst>
   <p:sldSz cx="12192000" cy="6858000"/>
   <p:notesSz cx="6858000" cy="9144000"/>
@@ -5996,28 +5997,46 @@
       </p:grpSpPr>
       <p:pic>
         <p:nvPicPr>
-          <p:cNvPr id="2" name="Image 1"/>
+          <p:cNvPr id="3" name="Image 2"/>
           <p:cNvPicPr>
             <a:picLocks noChangeAspect="1"/>
           </p:cNvPicPr>
           <p:nvPr/>
         </p:nvPicPr>
         <p:blipFill>
-          <a:blip r:embed="rId2">
-            <a:extLst>
-              <a:ext uri="{28A0092B-C50C-407E-A947-70E740481C1C}">
-                <a14:useLocalDpi xmlns:a14="http://schemas.microsoft.com/office/drawing/2010/main" val="0"/>
-              </a:ext>
-            </a:extLst>
-          </a:blip>
+          <a:blip r:embed="rId2"/>
           <a:stretch>
             <a:fillRect/>
           </a:stretch>
         </p:blipFill>
         <p:spPr>
           <a:xfrm>
-            <a:off x="800381" y="274321"/>
-            <a:ext cx="10058400" cy="6363152"/>
+            <a:off x="6083993" y="3327400"/>
+            <a:ext cx="5761372" cy="3349152"/>
+          </a:xfrm>
+          <a:prstGeom prst="rect">
+            <a:avLst/>
+          </a:prstGeom>
+        </p:spPr>
+      </p:pic>
+      <p:pic>
+        <p:nvPicPr>
+          <p:cNvPr id="4" name="Image 3"/>
+          <p:cNvPicPr>
+            <a:picLocks noChangeAspect="1"/>
+          </p:cNvPicPr>
+          <p:nvPr/>
+        </p:nvPicPr>
+        <p:blipFill>
+          <a:blip r:embed="rId3"/>
+          <a:stretch>
+            <a:fillRect/>
+          </a:stretch>
+        </p:blipFill>
+        <p:spPr>
+          <a:xfrm>
+            <a:off x="301004" y="353702"/>
+            <a:ext cx="5947396" cy="2973698"/>
           </a:xfrm>
           <a:prstGeom prst="rect">
             <a:avLst/>
@@ -6027,7 +6046,7 @@
     </p:spTree>
     <p:extLst>
       <p:ext uri="{BB962C8B-B14F-4D97-AF65-F5344CB8AC3E}">
-        <p14:creationId xmlns:p14="http://schemas.microsoft.com/office/powerpoint/2010/main" val="2012817076"/>
+        <p14:creationId xmlns:p14="http://schemas.microsoft.com/office/powerpoint/2010/main" val="2037686155"/>
       </p:ext>
     </p:extLst>
   </p:cSld>
@@ -6054,83 +6073,24 @@
           <a:chExt cx="0" cy="0"/>
         </a:xfrm>
       </p:grpSpPr>
-      <p:sp>
-        <p:nvSpPr>
-          <p:cNvPr id="3" name="ZoneTexte 2"/>
-          <p:cNvSpPr txBox="1"/>
-          <p:nvPr/>
-        </p:nvSpPr>
-        <p:spPr>
-          <a:xfrm>
-            <a:off x="507076" y="315884"/>
-            <a:ext cx="9052560" cy="923330"/>
-          </a:xfrm>
-          <a:prstGeom prst="rect">
-            <a:avLst/>
-          </a:prstGeom>
-          <a:noFill/>
-        </p:spPr>
-        <p:txBody>
-          <a:bodyPr wrap="square" rtlCol="0">
-            <a:spAutoFit/>
-          </a:bodyPr>
-          <a:lstStyle/>
-          <a:p>
-            <a:r>
-              <a:rPr lang="fr-BE" sz="4000" dirty="0" smtClean="0">
-                <a:solidFill>
-                  <a:srgbClr val="90C226"/>
-                </a:solidFill>
-              </a:rPr>
-              <a:t>Les</a:t>
-            </a:r>
-            <a:r>
-              <a:rPr lang="fr-BE" sz="5400" dirty="0" smtClean="0">
-                <a:solidFill>
-                  <a:srgbClr val="90C226"/>
-                </a:solidFill>
-              </a:rPr>
-              <a:t> </a:t>
-            </a:r>
-            <a:r>
-              <a:rPr lang="fr-BE" sz="4000" dirty="0" smtClean="0">
-                <a:solidFill>
-                  <a:srgbClr val="90C226"/>
-                </a:solidFill>
-              </a:rPr>
-              <a:t>tâches</a:t>
-            </a:r>
-            <a:endParaRPr lang="fr-BE" sz="4000" dirty="0">
-              <a:solidFill>
-                <a:srgbClr val="90C226"/>
-              </a:solidFill>
-            </a:endParaRPr>
-          </a:p>
-        </p:txBody>
-      </p:sp>
       <p:pic>
         <p:nvPicPr>
-          <p:cNvPr id="4" name="Image 3"/>
+          <p:cNvPr id="2" name="Image 1"/>
           <p:cNvPicPr>
             <a:picLocks noChangeAspect="1"/>
           </p:cNvPicPr>
           <p:nvPr/>
         </p:nvPicPr>
-        <p:blipFill rotWithShape="1">
-          <a:blip r:embed="rId2">
-            <a:extLst>
-              <a:ext uri="{28A0092B-C50C-407E-A947-70E740481C1C}">
-                <a14:useLocalDpi xmlns:a14="http://schemas.microsoft.com/office/drawing/2010/main" val="0"/>
-              </a:ext>
-            </a:extLst>
-          </a:blip>
-          <a:srcRect l="496" t="-1" r="-579" b="1"/>
-          <a:stretch/>
+        <p:blipFill>
+          <a:blip r:embed="rId2"/>
+          <a:stretch>
+            <a:fillRect/>
+          </a:stretch>
         </p:blipFill>
         <p:spPr>
           <a:xfrm>
-            <a:off x="266006" y="1239214"/>
-            <a:ext cx="10058400" cy="3040772"/>
+            <a:off x="203200" y="439225"/>
+            <a:ext cx="11814629" cy="5994278"/>
           </a:xfrm>
           <a:prstGeom prst="rect">
             <a:avLst/>
@@ -6140,7 +6100,7 @@
     </p:spTree>
     <p:extLst>
       <p:ext uri="{BB962C8B-B14F-4D97-AF65-F5344CB8AC3E}">
-        <p14:creationId xmlns:p14="http://schemas.microsoft.com/office/powerpoint/2010/main" val="2382720494"/>
+        <p14:creationId xmlns:p14="http://schemas.microsoft.com/office/powerpoint/2010/main" val="2849336810"/>
       </p:ext>
     </p:extLst>
   </p:cSld>
@@ -6189,8 +6149,8 @@
         </p:blipFill>
         <p:spPr>
           <a:xfrm>
-            <a:off x="640080" y="906660"/>
-            <a:ext cx="10058400" cy="2529657"/>
+            <a:off x="800381" y="274321"/>
+            <a:ext cx="10058400" cy="6363152"/>
           </a:xfrm>
           <a:prstGeom prst="rect">
             <a:avLst/>
@@ -6200,7 +6160,7 @@
     </p:spTree>
     <p:extLst>
       <p:ext uri="{BB962C8B-B14F-4D97-AF65-F5344CB8AC3E}">
-        <p14:creationId xmlns:p14="http://schemas.microsoft.com/office/powerpoint/2010/main" val="1120845552"/>
+        <p14:creationId xmlns:p14="http://schemas.microsoft.com/office/powerpoint/2010/main" val="2012817076"/>
       </p:ext>
     </p:extLst>
   </p:cSld>
@@ -6211,6 +6171,98 @@
 </file>
 
 <file path=ppt/slides/slide5.xml><?xml version="1.0" encoding="utf-8"?>
+<p:sld xmlns:a="http://schemas.openxmlformats.org/drawingml/2006/main" xmlns:r="http://schemas.openxmlformats.org/officeDocument/2006/relationships" xmlns:p="http://schemas.openxmlformats.org/presentationml/2006/main">
+  <p:cSld>
+    <p:spTree>
+      <p:nvGrpSpPr>
+        <p:cNvPr id="1" name=""/>
+        <p:cNvGrpSpPr/>
+        <p:nvPr/>
+      </p:nvGrpSpPr>
+      <p:grpSpPr>
+        <a:xfrm>
+          <a:off x="0" y="0"/>
+          <a:ext cx="0" cy="0"/>
+          <a:chOff x="0" y="0"/>
+          <a:chExt cx="0" cy="0"/>
+        </a:xfrm>
+      </p:grpSpPr>
+      <p:sp>
+        <p:nvSpPr>
+          <p:cNvPr id="3" name="ZoneTexte 2"/>
+          <p:cNvSpPr txBox="1"/>
+          <p:nvPr/>
+        </p:nvSpPr>
+        <p:spPr>
+          <a:xfrm>
+            <a:off x="507076" y="315884"/>
+            <a:ext cx="9052560" cy="707886"/>
+          </a:xfrm>
+          <a:prstGeom prst="rect">
+            <a:avLst/>
+          </a:prstGeom>
+          <a:noFill/>
+        </p:spPr>
+        <p:txBody>
+          <a:bodyPr wrap="square" rtlCol="0">
+            <a:spAutoFit/>
+          </a:bodyPr>
+          <a:lstStyle/>
+          <a:p>
+            <a:r>
+              <a:rPr lang="fr-BE" sz="4000" dirty="0" smtClean="0">
+                <a:solidFill>
+                  <a:srgbClr val="90C226"/>
+                </a:solidFill>
+              </a:rPr>
+              <a:t>Comment ajouter une tâche ?</a:t>
+            </a:r>
+            <a:endParaRPr lang="fr-BE" sz="4000" dirty="0">
+              <a:solidFill>
+                <a:srgbClr val="90C226"/>
+              </a:solidFill>
+            </a:endParaRPr>
+          </a:p>
+        </p:txBody>
+      </p:sp>
+      <p:pic>
+        <p:nvPicPr>
+          <p:cNvPr id="6" name="Image 5"/>
+          <p:cNvPicPr>
+            <a:picLocks noChangeAspect="1"/>
+          </p:cNvPicPr>
+          <p:nvPr/>
+        </p:nvPicPr>
+        <p:blipFill>
+          <a:blip r:embed="rId2"/>
+          <a:stretch>
+            <a:fillRect/>
+          </a:stretch>
+        </p:blipFill>
+        <p:spPr>
+          <a:xfrm>
+            <a:off x="376715" y="2528565"/>
+            <a:ext cx="11452875" cy="3326135"/>
+          </a:xfrm>
+          <a:prstGeom prst="rect">
+            <a:avLst/>
+          </a:prstGeom>
+        </p:spPr>
+      </p:pic>
+    </p:spTree>
+    <p:extLst>
+      <p:ext uri="{BB962C8B-B14F-4D97-AF65-F5344CB8AC3E}">
+        <p14:creationId xmlns:p14="http://schemas.microsoft.com/office/powerpoint/2010/main" val="2382720494"/>
+      </p:ext>
+    </p:extLst>
+  </p:cSld>
+  <p:clrMapOvr>
+    <a:masterClrMapping/>
+  </p:clrMapOvr>
+</p:sld>
+</file>
+
+<file path=ppt/slides/slide6.xml><?xml version="1.0" encoding="utf-8"?>
 <p:sld xmlns:a="http://schemas.openxmlformats.org/drawingml/2006/main" xmlns:r="http://schemas.openxmlformats.org/officeDocument/2006/relationships" xmlns:p="http://schemas.openxmlformats.org/presentationml/2006/main">
   <p:cSld>
     <p:spTree>
@@ -6300,7 +6352,7 @@
 </p:sld>
 </file>
 
-<file path=ppt/slides/slide6.xml><?xml version="1.0" encoding="utf-8"?>
+<file path=ppt/slides/slide7.xml><?xml version="1.0" encoding="utf-8"?>
 <p:sld xmlns:a="http://schemas.openxmlformats.org/drawingml/2006/main" xmlns:r="http://schemas.openxmlformats.org/officeDocument/2006/relationships" xmlns:p="http://schemas.openxmlformats.org/presentationml/2006/main">
   <p:cSld>
     <p:spTree>
@@ -6317,35 +6369,6 @@
           <a:chExt cx="0" cy="0"/>
         </a:xfrm>
       </p:grpSpPr>
-      <p:pic>
-        <p:nvPicPr>
-          <p:cNvPr id="2" name="Image 1"/>
-          <p:cNvPicPr>
-            <a:picLocks noChangeAspect="1"/>
-          </p:cNvPicPr>
-          <p:nvPr/>
-        </p:nvPicPr>
-        <p:blipFill rotWithShape="1">
-          <a:blip r:embed="rId2">
-            <a:extLst>
-              <a:ext uri="{28A0092B-C50C-407E-A947-70E740481C1C}">
-                <a14:useLocalDpi xmlns:a14="http://schemas.microsoft.com/office/drawing/2010/main" val="0"/>
-              </a:ext>
-            </a:extLst>
-          </a:blip>
-          <a:srcRect l="-496" t="-547" r="496" b="547"/>
-          <a:stretch/>
-        </p:blipFill>
-        <p:spPr>
-          <a:xfrm>
-            <a:off x="257695" y="671707"/>
-            <a:ext cx="10058400" cy="3040772"/>
-          </a:xfrm>
-          <a:prstGeom prst="rect">
-            <a:avLst/>
-          </a:prstGeom>
-        </p:spPr>
-      </p:pic>
       <p:sp>
         <p:nvSpPr>
           <p:cNvPr id="3" name="Rectangle 2"/>
@@ -6394,6 +6417,30 @@
           </a:p>
         </p:txBody>
       </p:sp>
+      <p:pic>
+        <p:nvPicPr>
+          <p:cNvPr id="5" name="Image 4"/>
+          <p:cNvPicPr>
+            <a:picLocks noChangeAspect="1"/>
+          </p:cNvPicPr>
+          <p:nvPr/>
+        </p:nvPicPr>
+        <p:blipFill>
+          <a:blip r:embed="rId2"/>
+          <a:stretch>
+            <a:fillRect/>
+          </a:stretch>
+        </p:blipFill>
+        <p:spPr>
+          <a:xfrm>
+            <a:off x="257695" y="728286"/>
+            <a:ext cx="11753375" cy="3983362"/>
+          </a:xfrm>
+          <a:prstGeom prst="rect">
+            <a:avLst/>
+          </a:prstGeom>
+        </p:spPr>
+      </p:pic>
     </p:spTree>
     <p:extLst>
       <p:ext uri="{BB962C8B-B14F-4D97-AF65-F5344CB8AC3E}">
